--- a/images/Logo.pptx
+++ b/images/Logo.pptx
@@ -9,10 +9,10 @@
   </p:notesMasterIdLst>
   <p:sldIdLst>
     <p:sldId id="257" r:id="rId2"/>
-    <p:sldId id="260" r:id="rId3"/>
-    <p:sldId id="256" r:id="rId4"/>
-    <p:sldId id="259" r:id="rId5"/>
-    <p:sldId id="258" r:id="rId6"/>
+    <p:sldId id="261" r:id="rId3"/>
+    <p:sldId id="262" r:id="rId4"/>
+    <p:sldId id="260" r:id="rId5"/>
+    <p:sldId id="259" r:id="rId6"/>
   </p:sldIdLst>
   <p:sldSz cx="12192000" cy="6858000"/>
   <p:notesSz cx="6858000" cy="9144000"/>
@@ -618,7 +618,7 @@
           <a:p>
             <a:fld id="{B8E88AC5-9834-D542-831D-8BAB37BC07FE}" type="slidenum">
               <a:rPr kumimoji="1" lang="ko-Kore-KR" altLang="en-US" smtClean="0"/>
-              <a:t>2</a:t>
+              <a:t>4</a:t>
             </a:fld>
             <a:endParaRPr kumimoji="1" lang="ko-Kore-KR" altLang="en-US"/>
           </a:p>
@@ -702,7 +702,7 @@
           <a:p>
             <a:fld id="{B8E88AC5-9834-D542-831D-8BAB37BC07FE}" type="slidenum">
               <a:rPr kumimoji="1" lang="ko-Kore-KR" altLang="en-US" smtClean="0"/>
-              <a:t>4</a:t>
+              <a:t>5</a:t>
             </a:fld>
             <a:endParaRPr kumimoji="1" lang="ko-Kore-KR" altLang="en-US"/>
           </a:p>
@@ -4290,6 +4290,126 @@
           <a:chExt cx="0" cy="0"/>
         </a:xfrm>
       </p:grpSpPr>
+      <p:pic>
+        <p:nvPicPr>
+          <p:cNvPr id="5" name="그림 4">
+            <a:extLst>
+              <a:ext uri="{FF2B5EF4-FFF2-40B4-BE49-F238E27FC236}">
+                <a16:creationId xmlns:a16="http://schemas.microsoft.com/office/drawing/2014/main" id="{B48077AE-11F6-1A4D-9640-7A6FF13A4A98}"/>
+              </a:ext>
+            </a:extLst>
+          </p:cNvPr>
+          <p:cNvPicPr>
+            <a:picLocks noChangeAspect="1"/>
+          </p:cNvPicPr>
+          <p:nvPr/>
+        </p:nvPicPr>
+        <p:blipFill>
+          <a:blip r:embed="rId2"/>
+          <a:stretch>
+            <a:fillRect/>
+          </a:stretch>
+        </p:blipFill>
+        <p:spPr>
+          <a:xfrm>
+            <a:off x="4298950" y="1631950"/>
+            <a:ext cx="3594100" cy="3594100"/>
+          </a:xfrm>
+          <a:prstGeom prst="rect">
+            <a:avLst/>
+          </a:prstGeom>
+        </p:spPr>
+      </p:pic>
+    </p:spTree>
+    <p:extLst>
+      <p:ext uri="{BB962C8B-B14F-4D97-AF65-F5344CB8AC3E}">
+        <p14:creationId xmlns:p14="http://schemas.microsoft.com/office/powerpoint/2010/main" val="1093256789"/>
+      </p:ext>
+    </p:extLst>
+  </p:cSld>
+  <p:clrMapOvr>
+    <a:masterClrMapping/>
+  </p:clrMapOvr>
+</p:sld>
+</file>
+
+<file path=ppt/slides/slide3.xml><?xml version="1.0" encoding="utf-8"?>
+<p:sld xmlns:a="http://schemas.openxmlformats.org/drawingml/2006/main" xmlns:r="http://schemas.openxmlformats.org/officeDocument/2006/relationships" xmlns:p="http://schemas.openxmlformats.org/presentationml/2006/main">
+  <p:cSld>
+    <p:spTree>
+      <p:nvGrpSpPr>
+        <p:cNvPr id="1" name=""/>
+        <p:cNvGrpSpPr/>
+        <p:nvPr/>
+      </p:nvGrpSpPr>
+      <p:grpSpPr>
+        <a:xfrm>
+          <a:off x="0" y="0"/>
+          <a:ext cx="0" cy="0"/>
+          <a:chOff x="0" y="0"/>
+          <a:chExt cx="0" cy="0"/>
+        </a:xfrm>
+      </p:grpSpPr>
+      <p:pic>
+        <p:nvPicPr>
+          <p:cNvPr id="5" name="그림 4">
+            <a:extLst>
+              <a:ext uri="{FF2B5EF4-FFF2-40B4-BE49-F238E27FC236}">
+                <a16:creationId xmlns:a16="http://schemas.microsoft.com/office/drawing/2014/main" id="{2D70FB05-1C4A-D94D-A7AF-526E7CFCCB45}"/>
+              </a:ext>
+            </a:extLst>
+          </p:cNvPr>
+          <p:cNvPicPr>
+            <a:picLocks noChangeAspect="1"/>
+          </p:cNvPicPr>
+          <p:nvPr/>
+        </p:nvPicPr>
+        <p:blipFill>
+          <a:blip r:embed="rId2"/>
+          <a:stretch>
+            <a:fillRect/>
+          </a:stretch>
+        </p:blipFill>
+        <p:spPr>
+          <a:xfrm>
+            <a:off x="1333500" y="584200"/>
+            <a:ext cx="9525000" cy="5689600"/>
+          </a:xfrm>
+          <a:prstGeom prst="rect">
+            <a:avLst/>
+          </a:prstGeom>
+        </p:spPr>
+      </p:pic>
+    </p:spTree>
+    <p:extLst>
+      <p:ext uri="{BB962C8B-B14F-4D97-AF65-F5344CB8AC3E}">
+        <p14:creationId xmlns:p14="http://schemas.microsoft.com/office/powerpoint/2010/main" val="3175352262"/>
+      </p:ext>
+    </p:extLst>
+  </p:cSld>
+  <p:clrMapOvr>
+    <a:masterClrMapping/>
+  </p:clrMapOvr>
+</p:sld>
+</file>
+
+<file path=ppt/slides/slide4.xml><?xml version="1.0" encoding="utf-8"?>
+<p:sld xmlns:a="http://schemas.openxmlformats.org/drawingml/2006/main" xmlns:r="http://schemas.openxmlformats.org/officeDocument/2006/relationships" xmlns:p="http://schemas.openxmlformats.org/presentationml/2006/main">
+  <p:cSld>
+    <p:spTree>
+      <p:nvGrpSpPr>
+        <p:cNvPr id="1" name=""/>
+        <p:cNvGrpSpPr/>
+        <p:nvPr/>
+      </p:nvGrpSpPr>
+      <p:grpSpPr>
+        <a:xfrm>
+          <a:off x="0" y="0"/>
+          <a:ext cx="0" cy="0"/>
+          <a:chOff x="0" y="0"/>
+          <a:chExt cx="0" cy="0"/>
+        </a:xfrm>
+      </p:grpSpPr>
       <p:grpSp>
         <p:nvGrpSpPr>
           <p:cNvPr id="3" name="그룹 2">
@@ -4607,110 +4727,7 @@
 </p:sld>
 </file>
 
-<file path=ppt/slides/slide3.xml><?xml version="1.0" encoding="utf-8"?>
-<p:sld xmlns:a="http://schemas.openxmlformats.org/drawingml/2006/main" xmlns:r="http://schemas.openxmlformats.org/officeDocument/2006/relationships" xmlns:p="http://schemas.openxmlformats.org/presentationml/2006/main">
-  <p:cSld>
-    <p:spTree>
-      <p:nvGrpSpPr>
-        <p:cNvPr id="1" name=""/>
-        <p:cNvGrpSpPr/>
-        <p:nvPr/>
-      </p:nvGrpSpPr>
-      <p:grpSpPr>
-        <a:xfrm>
-          <a:off x="0" y="0"/>
-          <a:ext cx="0" cy="0"/>
-          <a:chOff x="0" y="0"/>
-          <a:chExt cx="0" cy="0"/>
-        </a:xfrm>
-      </p:grpSpPr>
-      <p:sp>
-        <p:nvSpPr>
-          <p:cNvPr id="4" name="TextBox 3">
-            <a:extLst>
-              <a:ext uri="{FF2B5EF4-FFF2-40B4-BE49-F238E27FC236}">
-                <a16:creationId xmlns:a16="http://schemas.microsoft.com/office/drawing/2014/main" id="{5611DD62-BF3B-F347-A0C0-0F9CF56248A7}"/>
-              </a:ext>
-            </a:extLst>
-          </p:cNvPr>
-          <p:cNvSpPr txBox="1"/>
-          <p:nvPr/>
-        </p:nvSpPr>
-        <p:spPr>
-          <a:xfrm>
-            <a:off x="4306247" y="2921168"/>
-            <a:ext cx="3929281" cy="1015663"/>
-          </a:xfrm>
-          <a:prstGeom prst="rect">
-            <a:avLst/>
-          </a:prstGeom>
-          <a:noFill/>
-          <a:effectLst>
-            <a:outerShdw blurRad="50800" dist="38100" dir="2700000" algn="tl" rotWithShape="0">
-              <a:prstClr val="black">
-                <a:alpha val="40000"/>
-              </a:prstClr>
-            </a:outerShdw>
-          </a:effectLst>
-        </p:spPr>
-        <p:txBody>
-          <a:bodyPr wrap="none" rtlCol="0">
-            <a:spAutoFit/>
-          </a:bodyPr>
-          <a:lstStyle/>
-          <a:p>
-            <a:r>
-              <a:rPr kumimoji="1" lang="en-US" altLang="ko-Kore-KR" sz="6000" b="1" dirty="0">
-                <a:ln w="0"/>
-                <a:solidFill>
-                  <a:schemeClr val="accent2"/>
-                </a:solidFill>
-                <a:effectLst>
-                  <a:outerShdw blurRad="38100" dist="19050" dir="2700000" algn="tl" rotWithShape="0">
-                    <a:schemeClr val="dk1">
-                      <a:alpha val="40000"/>
-                    </a:schemeClr>
-                  </a:outerShdw>
-                </a:effectLst>
-                <a:latin typeface="Cavolini" panose="03000502040302020204" pitchFamily="66" charset="0"/>
-                <a:ea typeface="Ayuthaya" pitchFamily="2" charset="-34"/>
-                <a:cs typeface="Cavolini" panose="03000502040302020204" pitchFamily="66" charset="0"/>
-              </a:rPr>
-              <a:t>Tech Log</a:t>
-            </a:r>
-            <a:endParaRPr kumimoji="1" lang="ko-Kore-KR" altLang="en-US" sz="6000" b="1" dirty="0">
-              <a:ln w="0"/>
-              <a:solidFill>
-                <a:schemeClr val="accent2"/>
-              </a:solidFill>
-              <a:effectLst>
-                <a:outerShdw blurRad="38100" dist="19050" dir="2700000" algn="tl" rotWithShape="0">
-                  <a:schemeClr val="dk1">
-                    <a:alpha val="40000"/>
-                  </a:schemeClr>
-                </a:outerShdw>
-              </a:effectLst>
-              <a:latin typeface="Cavolini" panose="03000502040302020204" pitchFamily="66" charset="0"/>
-              <a:ea typeface="Arial Unicode MS" panose="020B0604020202020204" pitchFamily="34" charset="-128"/>
-              <a:cs typeface="Cavolini" panose="03000502040302020204" pitchFamily="66" charset="0"/>
-            </a:endParaRPr>
-          </a:p>
-        </p:txBody>
-      </p:sp>
-    </p:spTree>
-    <p:extLst>
-      <p:ext uri="{BB962C8B-B14F-4D97-AF65-F5344CB8AC3E}">
-        <p14:creationId xmlns:p14="http://schemas.microsoft.com/office/powerpoint/2010/main" val="3195151708"/>
-      </p:ext>
-    </p:extLst>
-  </p:cSld>
-  <p:clrMapOvr>
-    <a:masterClrMapping/>
-  </p:clrMapOvr>
-</p:sld>
-</file>
-
-<file path=ppt/slides/slide4.xml><?xml version="1.0" encoding="utf-8"?>
+<file path=ppt/slides/slide5.xml><?xml version="1.0" encoding="utf-8"?>
 <p:sld xmlns:a="http://schemas.openxmlformats.org/drawingml/2006/main" xmlns:r="http://schemas.openxmlformats.org/officeDocument/2006/relationships" xmlns:p="http://schemas.openxmlformats.org/presentationml/2006/main">
   <p:cSld>
     <p:spTree>
@@ -4980,180 +4997,6 @@
     <p:extLst>
       <p:ext uri="{BB962C8B-B14F-4D97-AF65-F5344CB8AC3E}">
         <p14:creationId xmlns:p14="http://schemas.microsoft.com/office/powerpoint/2010/main" val="4003857678"/>
-      </p:ext>
-    </p:extLst>
-  </p:cSld>
-  <p:clrMapOvr>
-    <a:masterClrMapping/>
-  </p:clrMapOvr>
-</p:sld>
-</file>
-
-<file path=ppt/slides/slide5.xml><?xml version="1.0" encoding="utf-8"?>
-<p:sld xmlns:a="http://schemas.openxmlformats.org/drawingml/2006/main" xmlns:r="http://schemas.openxmlformats.org/officeDocument/2006/relationships" xmlns:p="http://schemas.openxmlformats.org/presentationml/2006/main">
-  <p:cSld>
-    <p:spTree>
-      <p:nvGrpSpPr>
-        <p:cNvPr id="1" name=""/>
-        <p:cNvGrpSpPr/>
-        <p:nvPr/>
-      </p:nvGrpSpPr>
-      <p:grpSpPr>
-        <a:xfrm>
-          <a:off x="0" y="0"/>
-          <a:ext cx="0" cy="0"/>
-          <a:chOff x="0" y="0"/>
-          <a:chExt cx="0" cy="0"/>
-        </a:xfrm>
-      </p:grpSpPr>
-      <p:grpSp>
-        <p:nvGrpSpPr>
-          <p:cNvPr id="2" name="그룹 1">
-            <a:extLst>
-              <a:ext uri="{FF2B5EF4-FFF2-40B4-BE49-F238E27FC236}">
-                <a16:creationId xmlns:a16="http://schemas.microsoft.com/office/drawing/2014/main" id="{B103BA0D-32B7-FB40-A4EF-1849CECA034B}"/>
-              </a:ext>
-            </a:extLst>
-          </p:cNvPr>
-          <p:cNvGrpSpPr/>
-          <p:nvPr/>
-        </p:nvGrpSpPr>
-        <p:grpSpPr>
-          <a:xfrm>
-            <a:off x="4306247" y="1869246"/>
-            <a:ext cx="3579506" cy="3119507"/>
-            <a:chOff x="4306247" y="1500520"/>
-            <a:chExt cx="3579506" cy="3119507"/>
-          </a:xfrm>
-        </p:grpSpPr>
-        <p:sp>
-          <p:nvSpPr>
-            <p:cNvPr id="4" name="오각형[P] 3">
-              <a:extLst>
-                <a:ext uri="{FF2B5EF4-FFF2-40B4-BE49-F238E27FC236}">
-                  <a16:creationId xmlns:a16="http://schemas.microsoft.com/office/drawing/2014/main" id="{0A473208-ABCA-1F4F-B88D-A9B53876E116}"/>
-                </a:ext>
-              </a:extLst>
-            </p:cNvPr>
-            <p:cNvSpPr/>
-            <p:nvPr/>
-          </p:nvSpPr>
-          <p:spPr>
-            <a:xfrm rot="5400000">
-              <a:off x="5125233" y="1844986"/>
-              <a:ext cx="1941534" cy="1252602"/>
-            </a:xfrm>
-            <a:prstGeom prst="homePlate">
-              <a:avLst>
-                <a:gd name="adj" fmla="val 39623"/>
-              </a:avLst>
-            </a:prstGeom>
-            <a:solidFill>
-              <a:schemeClr val="accent2"/>
-            </a:solidFill>
-            <a:ln>
-              <a:noFill/>
-            </a:ln>
-          </p:spPr>
-          <p:style>
-            <a:lnRef idx="2">
-              <a:schemeClr val="accent1">
-                <a:shade val="50000"/>
-              </a:schemeClr>
-            </a:lnRef>
-            <a:fillRef idx="1">
-              <a:schemeClr val="accent1"/>
-            </a:fillRef>
-            <a:effectRef idx="0">
-              <a:schemeClr val="accent1"/>
-            </a:effectRef>
-            <a:fontRef idx="minor">
-              <a:schemeClr val="lt1"/>
-            </a:fontRef>
-          </p:style>
-          <p:txBody>
-            <a:bodyPr rtlCol="0" anchor="ctr"/>
-            <a:lstStyle/>
-            <a:p>
-              <a:pPr algn="ctr"/>
-              <a:endParaRPr kumimoji="1" lang="ko-Kore-KR" altLang="en-US" dirty="0"/>
-            </a:p>
-          </p:txBody>
-        </p:sp>
-        <p:sp>
-          <p:nvSpPr>
-            <p:cNvPr id="3" name="TextBox 2">
-              <a:extLst>
-                <a:ext uri="{FF2B5EF4-FFF2-40B4-BE49-F238E27FC236}">
-                  <a16:creationId xmlns:a16="http://schemas.microsoft.com/office/drawing/2014/main" id="{987487EB-90BA-074E-BEC0-DFCE1B0AD77D}"/>
-                </a:ext>
-              </a:extLst>
-            </p:cNvPr>
-            <p:cNvSpPr txBox="1"/>
-            <p:nvPr/>
-          </p:nvSpPr>
-          <p:spPr>
-            <a:xfrm>
-              <a:off x="4306247" y="3604364"/>
-              <a:ext cx="3579506" cy="1015663"/>
-            </a:xfrm>
-            <a:prstGeom prst="rect">
-              <a:avLst/>
-            </a:prstGeom>
-            <a:noFill/>
-            <a:effectLst>
-              <a:outerShdw blurRad="50800" dist="38100" dir="2700000" algn="tl" rotWithShape="0">
-                <a:prstClr val="black">
-                  <a:alpha val="40000"/>
-                </a:prstClr>
-              </a:outerShdw>
-            </a:effectLst>
-          </p:spPr>
-          <p:txBody>
-            <a:bodyPr wrap="none" rtlCol="0">
-              <a:spAutoFit/>
-            </a:bodyPr>
-            <a:lstStyle/>
-            <a:p>
-              <a:r>
-                <a:rPr kumimoji="1" lang="en-US" altLang="ko-Kore-KR" sz="6000" dirty="0">
-                  <a:ln w="0"/>
-                  <a:solidFill>
-                    <a:schemeClr val="accent2"/>
-                  </a:solidFill>
-                  <a:effectLst>
-                    <a:outerShdw blurRad="38100" dist="19050" dir="2700000" algn="tl" rotWithShape="0">
-                      <a:schemeClr val="dk1">
-                        <a:alpha val="40000"/>
-                      </a:schemeClr>
-                    </a:outerShdw>
-                  </a:effectLst>
-                  <a:latin typeface="Arial Rounded MT Bold" panose="020F0704030504030204" pitchFamily="34" charset="0"/>
-                </a:rPr>
-                <a:t>Tech Log</a:t>
-              </a:r>
-              <a:endParaRPr kumimoji="1" lang="ko-Kore-KR" altLang="en-US" sz="6000" dirty="0">
-                <a:ln w="0"/>
-                <a:solidFill>
-                  <a:schemeClr val="accent2"/>
-                </a:solidFill>
-                <a:effectLst>
-                  <a:outerShdw blurRad="38100" dist="19050" dir="2700000" algn="tl" rotWithShape="0">
-                    <a:schemeClr val="dk1">
-                      <a:alpha val="40000"/>
-                    </a:schemeClr>
-                  </a:outerShdw>
-                </a:effectLst>
-                <a:latin typeface="Arial Rounded MT Bold" panose="020F0704030504030204" pitchFamily="34" charset="0"/>
-              </a:endParaRPr>
-            </a:p>
-          </p:txBody>
-        </p:sp>
-      </p:grpSp>
-    </p:spTree>
-    <p:extLst>
-      <p:ext uri="{BB962C8B-B14F-4D97-AF65-F5344CB8AC3E}">
-        <p14:creationId xmlns:p14="http://schemas.microsoft.com/office/powerpoint/2010/main" val="2370120919"/>
       </p:ext>
     </p:extLst>
   </p:cSld>
